--- a/Plan/Services.pptx
+++ b/Plan/Services.pptx
@@ -288,7 +288,7 @@
           <a:p>
             <a:fld id="{E85A5713-5744-2D46-A6A2-C18924B9A6DF}" type="datetimeFigureOut">
               <a:rPr lang="en-US" smtClean="0"/>
-              <a:t>2014-01-04</a:t>
+              <a:t>2014-01-05</a:t>
             </a:fld>
             <a:endParaRPr lang="en-US"/>
           </a:p>
@@ -458,7 +458,7 @@
           <a:p>
             <a:fld id="{E85A5713-5744-2D46-A6A2-C18924B9A6DF}" type="datetimeFigureOut">
               <a:rPr lang="en-US" smtClean="0"/>
-              <a:t>2014-01-04</a:t>
+              <a:t>2014-01-05</a:t>
             </a:fld>
             <a:endParaRPr lang="en-US"/>
           </a:p>
@@ -638,7 +638,7 @@
           <a:p>
             <a:fld id="{E85A5713-5744-2D46-A6A2-C18924B9A6DF}" type="datetimeFigureOut">
               <a:rPr lang="en-US" smtClean="0"/>
-              <a:t>2014-01-04</a:t>
+              <a:t>2014-01-05</a:t>
             </a:fld>
             <a:endParaRPr lang="en-US"/>
           </a:p>
@@ -828,7 +828,7 @@
           <a:p>
             <a:fld id="{E85A5713-5744-2D46-A6A2-C18924B9A6DF}" type="datetimeFigureOut">
               <a:rPr lang="en-US" smtClean="0"/>
-              <a:t>2014-01-04</a:t>
+              <a:t>2014-01-05</a:t>
             </a:fld>
             <a:endParaRPr lang="en-US"/>
           </a:p>
@@ -1074,7 +1074,7 @@
           <a:p>
             <a:fld id="{E85A5713-5744-2D46-A6A2-C18924B9A6DF}" type="datetimeFigureOut">
               <a:rPr lang="en-US" smtClean="0"/>
-              <a:t>2014-01-04</a:t>
+              <a:t>2014-01-05</a:t>
             </a:fld>
             <a:endParaRPr lang="en-US"/>
           </a:p>
@@ -1362,7 +1362,7 @@
           <a:p>
             <a:fld id="{E85A5713-5744-2D46-A6A2-C18924B9A6DF}" type="datetimeFigureOut">
               <a:rPr lang="en-US" smtClean="0"/>
-              <a:t>2014-01-04</a:t>
+              <a:t>2014-01-05</a:t>
             </a:fld>
             <a:endParaRPr lang="en-US"/>
           </a:p>
@@ -1784,7 +1784,7 @@
           <a:p>
             <a:fld id="{E85A5713-5744-2D46-A6A2-C18924B9A6DF}" type="datetimeFigureOut">
               <a:rPr lang="en-US" smtClean="0"/>
-              <a:t>2014-01-04</a:t>
+              <a:t>2014-01-05</a:t>
             </a:fld>
             <a:endParaRPr lang="en-US"/>
           </a:p>
@@ -1902,7 +1902,7 @@
           <a:p>
             <a:fld id="{E85A5713-5744-2D46-A6A2-C18924B9A6DF}" type="datetimeFigureOut">
               <a:rPr lang="en-US" smtClean="0"/>
-              <a:t>2014-01-04</a:t>
+              <a:t>2014-01-05</a:t>
             </a:fld>
             <a:endParaRPr lang="en-US"/>
           </a:p>
@@ -1997,7 +1997,7 @@
           <a:p>
             <a:fld id="{E85A5713-5744-2D46-A6A2-C18924B9A6DF}" type="datetimeFigureOut">
               <a:rPr lang="en-US" smtClean="0"/>
-              <a:t>2014-01-04</a:t>
+              <a:t>2014-01-05</a:t>
             </a:fld>
             <a:endParaRPr lang="en-US"/>
           </a:p>
@@ -2274,7 +2274,7 @@
           <a:p>
             <a:fld id="{E85A5713-5744-2D46-A6A2-C18924B9A6DF}" type="datetimeFigureOut">
               <a:rPr lang="en-US" smtClean="0"/>
-              <a:t>2014-01-04</a:t>
+              <a:t>2014-01-05</a:t>
             </a:fld>
             <a:endParaRPr lang="en-US"/>
           </a:p>
@@ -2527,7 +2527,7 @@
           <a:p>
             <a:fld id="{E85A5713-5744-2D46-A6A2-C18924B9A6DF}" type="datetimeFigureOut">
               <a:rPr lang="en-US" smtClean="0"/>
-              <a:t>2014-01-04</a:t>
+              <a:t>2014-01-05</a:t>
             </a:fld>
             <a:endParaRPr lang="en-US"/>
           </a:p>
@@ -2746,7 +2746,7 @@
           <a:p>
             <a:fld id="{E85A5713-5744-2D46-A6A2-C18924B9A6DF}" type="datetimeFigureOut">
               <a:rPr lang="en-US" smtClean="0"/>
-              <a:t>2014-01-04</a:t>
+              <a:t>2014-01-05</a:t>
             </a:fld>
             <a:endParaRPr lang="en-US"/>
           </a:p>
@@ -3136,7 +3136,11 @@
           <a:bodyPr/>
           <a:lstStyle/>
           <a:p>
-            <a:endParaRPr lang="en-US"/>
+            <a:r>
+              <a:rPr lang="en-US" dirty="0" smtClean="0"/>
+              <a:t>asdasd</a:t>
+            </a:r>
+            <a:endParaRPr lang="en-US" dirty="0"/>
           </a:p>
         </p:txBody>
       </p:sp>
